--- a/ML_Practices/images/ML Practices.pptx
+++ b/ML_Practices/images/ML Practices.pptx
@@ -18,6 +18,7 @@
     <p:sldId id="261" r:id="rId11"/>
     <p:sldId id="262" r:id="rId12"/>
     <p:sldId id="263" r:id="rId13"/>
+    <p:sldId id="273" r:id="rId14"/>
   </p:sldIdLst>
   <p:sldSz cx="12192000" cy="6858000"/>
   <p:notesSz cx="7103745" cy="10234295"/>
@@ -3899,6 +3900,894 @@
               <a:p>
                 <a:pPr algn="ctr"/>
                 <a:r>
+                  <a:rPr lang="en-US" altLang="en-US" sz="1700" b="1">
+                    <a:solidFill>
+                      <a:schemeClr val="tx1">
+                        <a:lumMod val="75000"/>
+                        <a:lumOff val="25000"/>
+                      </a:schemeClr>
+                    </a:solidFill>
+                    <a:sym typeface="+mn-ea"/>
+                  </a:rPr>
+                  <a:t>CV(</a:t>
+                </a:r>
+                <a:r>
+                  <a:rPr lang="en-US" altLang="en-US" sz="1700" b="1">
+                    <a:solidFill>
+                      <a:schemeClr val="accent1">
+                        <a:lumMod val="50000"/>
+                      </a:schemeClr>
+                    </a:solidFill>
+                    <a:sym typeface="+mn-ea"/>
+                  </a:rPr>
+                  <a:t>MODEL </a:t>
+                </a:r>
+                <a:r>
+                  <a:rPr lang="" altLang="en-US" sz="1700" b="1">
+                    <a:solidFill>
+                      <a:schemeClr val="accent1">
+                        <a:lumMod val="50000"/>
+                      </a:schemeClr>
+                    </a:solidFill>
+                    <a:sym typeface="+mn-ea"/>
+                  </a:rPr>
+                  <a:t>A</a:t>
+                </a:r>
+                <a:r>
+                  <a:rPr lang="en-US" altLang="en-US" sz="1700" b="1">
+                    <a:solidFill>
+                      <a:schemeClr val="tx1">
+                        <a:lumMod val="75000"/>
+                        <a:lumOff val="25000"/>
+                      </a:schemeClr>
+                    </a:solidFill>
+                    <a:sym typeface="+mn-ea"/>
+                  </a:rPr>
+                  <a:t>)</a:t>
+                </a:r>
+                <a:endParaRPr lang="" altLang="en-US" sz="1700" b="1">
+                  <a:solidFill>
+                    <a:schemeClr val="tx1">
+                      <a:lumMod val="65000"/>
+                      <a:lumOff val="35000"/>
+                    </a:schemeClr>
+                  </a:solidFill>
+                  <a:sym typeface="+mn-ea"/>
+                </a:endParaRPr>
+              </a:p>
+            </p:txBody>
+          </p:sp>
+          <p:sp>
+            <p:nvSpPr>
+              <p:cNvPr id="6" name="Rounded Rectangle 5"/>
+              <p:cNvSpPr/>
+              <p:nvPr/>
+            </p:nvSpPr>
+            <p:spPr>
+              <a:xfrm>
+                <a:off x="2804" y="3820"/>
+                <a:ext cx="3110" cy="2044"/>
+              </a:xfrm>
+              <a:prstGeom prst="roundRect">
+                <a:avLst/>
+              </a:prstGeom>
+              <a:solidFill>
+                <a:schemeClr val="accent1">
+                  <a:lumMod val="60000"/>
+                  <a:lumOff val="40000"/>
+                </a:schemeClr>
+              </a:solidFill>
+              <a:ln w="50800" cmpd="sng">
+                <a:solidFill>
+                  <a:schemeClr val="accent1">
+                    <a:lumMod val="75000"/>
+                  </a:schemeClr>
+                </a:solidFill>
+                <a:prstDash val="solid"/>
+              </a:ln>
+            </p:spPr>
+            <p:style>
+              <a:lnRef idx="2">
+                <a:schemeClr val="accent1">
+                  <a:shade val="50000"/>
+                </a:schemeClr>
+              </a:lnRef>
+              <a:fillRef idx="1">
+                <a:schemeClr val="accent1"/>
+              </a:fillRef>
+              <a:effectRef idx="0">
+                <a:schemeClr val="accent1"/>
+              </a:effectRef>
+              <a:fontRef idx="minor">
+                <a:schemeClr val="lt1"/>
+              </a:fontRef>
+            </p:style>
+            <p:txBody>
+              <a:bodyPr rtlCol="0" anchor="ctr"/>
+              <a:p>
+                <a:pPr algn="ctr"/>
+                <a:r>
+                  <a:rPr lang="en-US" altLang="en-US" sz="1700" b="1">
+                    <a:solidFill>
+                      <a:schemeClr val="tx1">
+                        <a:lumMod val="75000"/>
+                        <a:lumOff val="25000"/>
+                      </a:schemeClr>
+                    </a:solidFill>
+                    <a:sym typeface="+mn-ea"/>
+                  </a:rPr>
+                  <a:t>CV(</a:t>
+                </a:r>
+                <a:r>
+                  <a:rPr lang="en-US" altLang="en-US" sz="1700" b="1">
+                    <a:solidFill>
+                      <a:schemeClr val="accent1">
+                        <a:lumMod val="50000"/>
+                      </a:schemeClr>
+                    </a:solidFill>
+                    <a:sym typeface="+mn-ea"/>
+                  </a:rPr>
+                  <a:t>MODEL </a:t>
+                </a:r>
+                <a:r>
+                  <a:rPr lang="" altLang="en-US" sz="1700" b="1">
+                    <a:solidFill>
+                      <a:schemeClr val="accent1">
+                        <a:lumMod val="50000"/>
+                      </a:schemeClr>
+                    </a:solidFill>
+                    <a:sym typeface="+mn-ea"/>
+                  </a:rPr>
+                  <a:t>B</a:t>
+                </a:r>
+                <a:r>
+                  <a:rPr lang="en-US" altLang="en-US" sz="1700" b="1">
+                    <a:solidFill>
+                      <a:schemeClr val="tx1">
+                        <a:lumMod val="75000"/>
+                        <a:lumOff val="25000"/>
+                      </a:schemeClr>
+                    </a:solidFill>
+                    <a:sym typeface="+mn-ea"/>
+                  </a:rPr>
+                  <a:t>)</a:t>
+                </a:r>
+                <a:endParaRPr lang="" altLang="en-US" sz="1700" b="1">
+                  <a:solidFill>
+                    <a:schemeClr val="accent1">
+                      <a:lumMod val="50000"/>
+                    </a:schemeClr>
+                  </a:solidFill>
+                  <a:sym typeface="+mn-ea"/>
+                </a:endParaRPr>
+              </a:p>
+            </p:txBody>
+          </p:sp>
+          <p:sp>
+            <p:nvSpPr>
+              <p:cNvPr id="7" name="Rounded Rectangle 6"/>
+              <p:cNvSpPr/>
+              <p:nvPr/>
+            </p:nvSpPr>
+            <p:spPr>
+              <a:xfrm>
+                <a:off x="2804" y="6077"/>
+                <a:ext cx="3110" cy="2044"/>
+              </a:xfrm>
+              <a:prstGeom prst="roundRect">
+                <a:avLst/>
+              </a:prstGeom>
+              <a:solidFill>
+                <a:schemeClr val="accent1">
+                  <a:lumMod val="60000"/>
+                  <a:lumOff val="40000"/>
+                </a:schemeClr>
+              </a:solidFill>
+              <a:ln w="50800" cmpd="sng">
+                <a:solidFill>
+                  <a:schemeClr val="accent1">
+                    <a:lumMod val="75000"/>
+                  </a:schemeClr>
+                </a:solidFill>
+                <a:prstDash val="solid"/>
+              </a:ln>
+            </p:spPr>
+            <p:style>
+              <a:lnRef idx="2">
+                <a:schemeClr val="accent1">
+                  <a:shade val="50000"/>
+                </a:schemeClr>
+              </a:lnRef>
+              <a:fillRef idx="1">
+                <a:schemeClr val="accent1"/>
+              </a:fillRef>
+              <a:effectRef idx="0">
+                <a:schemeClr val="accent1"/>
+              </a:effectRef>
+              <a:fontRef idx="minor">
+                <a:schemeClr val="lt1"/>
+              </a:fontRef>
+            </p:style>
+            <p:txBody>
+              <a:bodyPr rtlCol="0" anchor="ctr"/>
+              <a:p>
+                <a:pPr algn="ctr"/>
+                <a:r>
+                  <a:rPr lang="" altLang="en-US" sz="1700" b="1">
+                    <a:solidFill>
+                      <a:schemeClr val="tx1">
+                        <a:lumMod val="75000"/>
+                        <a:lumOff val="25000"/>
+                      </a:schemeClr>
+                    </a:solidFill>
+                    <a:sym typeface="+mn-ea"/>
+                  </a:rPr>
+                  <a:t>CV(</a:t>
+                </a:r>
+                <a:r>
+                  <a:rPr lang="en-US" altLang="en-US" sz="1700" b="1">
+                    <a:solidFill>
+                      <a:schemeClr val="accent1">
+                        <a:lumMod val="50000"/>
+                      </a:schemeClr>
+                    </a:solidFill>
+                    <a:sym typeface="+mn-ea"/>
+                  </a:rPr>
+                  <a:t>MODEL </a:t>
+                </a:r>
+                <a:r>
+                  <a:rPr lang="" altLang="en-US" sz="1700" b="1">
+                    <a:solidFill>
+                      <a:schemeClr val="accent1">
+                        <a:lumMod val="50000"/>
+                      </a:schemeClr>
+                    </a:solidFill>
+                    <a:sym typeface="+mn-ea"/>
+                  </a:rPr>
+                  <a:t>C</a:t>
+                </a:r>
+                <a:r>
+                  <a:rPr lang="" altLang="en-US" sz="1700" b="1">
+                    <a:solidFill>
+                      <a:schemeClr val="tx1">
+                        <a:lumMod val="75000"/>
+                        <a:lumOff val="25000"/>
+                      </a:schemeClr>
+                    </a:solidFill>
+                    <a:sym typeface="+mn-ea"/>
+                  </a:rPr>
+                  <a:t>)</a:t>
+                </a:r>
+                <a:endParaRPr lang="" altLang="en-US" sz="1700" b="1">
+                  <a:solidFill>
+                    <a:schemeClr val="tx1">
+                      <a:lumMod val="75000"/>
+                      <a:lumOff val="25000"/>
+                    </a:schemeClr>
+                  </a:solidFill>
+                  <a:sym typeface="+mn-ea"/>
+                </a:endParaRPr>
+              </a:p>
+            </p:txBody>
+          </p:sp>
+          <p:sp>
+            <p:nvSpPr>
+              <p:cNvPr id="8" name="Rounded Rectangle 7"/>
+              <p:cNvSpPr/>
+              <p:nvPr/>
+            </p:nvSpPr>
+            <p:spPr>
+              <a:xfrm>
+                <a:off x="2804" y="8334"/>
+                <a:ext cx="3110" cy="2044"/>
+              </a:xfrm>
+              <a:prstGeom prst="roundRect">
+                <a:avLst/>
+              </a:prstGeom>
+              <a:solidFill>
+                <a:schemeClr val="accent1">
+                  <a:lumMod val="60000"/>
+                  <a:lumOff val="40000"/>
+                </a:schemeClr>
+              </a:solidFill>
+              <a:ln w="50800" cmpd="sng">
+                <a:solidFill>
+                  <a:schemeClr val="accent1">
+                    <a:lumMod val="75000"/>
+                  </a:schemeClr>
+                </a:solidFill>
+                <a:prstDash val="solid"/>
+              </a:ln>
+            </p:spPr>
+            <p:style>
+              <a:lnRef idx="2">
+                <a:schemeClr val="accent1">
+                  <a:shade val="50000"/>
+                </a:schemeClr>
+              </a:lnRef>
+              <a:fillRef idx="1">
+                <a:schemeClr val="accent1"/>
+              </a:fillRef>
+              <a:effectRef idx="0">
+                <a:schemeClr val="accent1"/>
+              </a:effectRef>
+              <a:fontRef idx="minor">
+                <a:schemeClr val="lt1"/>
+              </a:fontRef>
+            </p:style>
+            <p:txBody>
+              <a:bodyPr rtlCol="0" anchor="ctr"/>
+              <a:p>
+                <a:pPr algn="ctr"/>
+                <a:r>
+                  <a:rPr lang="en-US" altLang="en-US" sz="1700" b="1">
+                    <a:solidFill>
+                      <a:schemeClr val="tx1">
+                        <a:lumMod val="75000"/>
+                        <a:lumOff val="25000"/>
+                      </a:schemeClr>
+                    </a:solidFill>
+                    <a:sym typeface="+mn-ea"/>
+                  </a:rPr>
+                  <a:t>CV(</a:t>
+                </a:r>
+                <a:r>
+                  <a:rPr lang="en-US" altLang="en-US" sz="1700" b="1">
+                    <a:solidFill>
+                      <a:schemeClr val="accent1">
+                        <a:lumMod val="50000"/>
+                      </a:schemeClr>
+                    </a:solidFill>
+                    <a:sym typeface="+mn-ea"/>
+                  </a:rPr>
+                  <a:t>MODEL </a:t>
+                </a:r>
+                <a:r>
+                  <a:rPr lang="" altLang="en-US" sz="1700" b="1">
+                    <a:solidFill>
+                      <a:schemeClr val="accent1">
+                        <a:lumMod val="50000"/>
+                      </a:schemeClr>
+                    </a:solidFill>
+                    <a:sym typeface="+mn-ea"/>
+                  </a:rPr>
+                  <a:t>D</a:t>
+                </a:r>
+                <a:r>
+                  <a:rPr lang="en-US" altLang="en-US" sz="1700" b="1">
+                    <a:solidFill>
+                      <a:schemeClr val="tx1">
+                        <a:lumMod val="75000"/>
+                        <a:lumOff val="25000"/>
+                      </a:schemeClr>
+                    </a:solidFill>
+                    <a:sym typeface="+mn-ea"/>
+                  </a:rPr>
+                  <a:t>)</a:t>
+                </a:r>
+                <a:endParaRPr lang="" altLang="en-US" sz="1700" b="1">
+                  <a:solidFill>
+                    <a:schemeClr val="accent1">
+                      <a:lumMod val="50000"/>
+                    </a:schemeClr>
+                  </a:solidFill>
+                  <a:sym typeface="+mn-ea"/>
+                </a:endParaRPr>
+              </a:p>
+            </p:txBody>
+          </p:sp>
+        </p:grpSp>
+        <p:sp>
+          <p:nvSpPr>
+            <p:cNvPr id="60" name="Rounded Rectangle 59"/>
+            <p:cNvSpPr/>
+            <p:nvPr/>
+          </p:nvSpPr>
+          <p:spPr>
+            <a:xfrm>
+              <a:off x="6687" y="3622"/>
+              <a:ext cx="3806" cy="3795"/>
+            </a:xfrm>
+            <a:prstGeom prst="roundRect">
+              <a:avLst/>
+            </a:prstGeom>
+            <a:solidFill>
+              <a:srgbClr val="BC90DE"/>
+            </a:solidFill>
+            <a:ln w="50800" cmpd="sng">
+              <a:solidFill>
+                <a:srgbClr val="7030A0"/>
+              </a:solidFill>
+              <a:prstDash val="solid"/>
+            </a:ln>
+          </p:spPr>
+          <p:style>
+            <a:lnRef idx="2">
+              <a:schemeClr val="accent1">
+                <a:shade val="50000"/>
+              </a:schemeClr>
+            </a:lnRef>
+            <a:fillRef idx="1">
+              <a:schemeClr val="accent1"/>
+            </a:fillRef>
+            <a:effectRef idx="0">
+              <a:schemeClr val="accent1"/>
+            </a:effectRef>
+            <a:fontRef idx="minor">
+              <a:schemeClr val="lt1"/>
+            </a:fontRef>
+          </p:style>
+          <p:txBody>
+            <a:bodyPr rtlCol="0" anchor="ctr"/>
+            <a:p>
+              <a:pPr algn="ctr"/>
+              <a:r>
+                <a:rPr lang="en-US" altLang="en-US" b="1">
+                  <a:solidFill>
+                    <a:srgbClr val="7030A0"/>
+                  </a:solidFill>
+                  <a:sym typeface="+mn-ea"/>
+                </a:rPr>
+                <a:t>SELECT</a:t>
+              </a:r>
+              <a:endParaRPr lang="en-US" altLang="en-US" b="1">
+                <a:solidFill>
+                  <a:srgbClr val="7030A0"/>
+                </a:solidFill>
+                <a:sym typeface="+mn-ea"/>
+              </a:endParaRPr>
+            </a:p>
+            <a:p>
+              <a:pPr algn="ctr"/>
+              <a:r>
+                <a:rPr lang="en-US" altLang="en-US" b="1">
+                  <a:solidFill>
+                    <a:srgbClr val="7030A0"/>
+                  </a:solidFill>
+                  <a:sym typeface="+mn-ea"/>
+                </a:rPr>
+                <a:t>BEST</a:t>
+              </a:r>
+              <a:endParaRPr lang="en-US" altLang="en-US" b="1">
+                <a:solidFill>
+                  <a:srgbClr val="7030A0"/>
+                </a:solidFill>
+                <a:sym typeface="+mn-ea"/>
+              </a:endParaRPr>
+            </a:p>
+          </p:txBody>
+        </p:sp>
+        <p:sp>
+          <p:nvSpPr>
+            <p:cNvPr id="10" name="Rounded Rectangle 9"/>
+            <p:cNvSpPr/>
+            <p:nvPr/>
+          </p:nvSpPr>
+          <p:spPr>
+            <a:xfrm>
+              <a:off x="10820" y="4241"/>
+              <a:ext cx="3806" cy="2444"/>
+            </a:xfrm>
+            <a:prstGeom prst="roundRect">
+              <a:avLst/>
+            </a:prstGeom>
+            <a:solidFill>
+              <a:srgbClr val="BC90DE"/>
+            </a:solidFill>
+            <a:ln w="50800" cmpd="sng">
+              <a:solidFill>
+                <a:srgbClr val="7030A0"/>
+              </a:solidFill>
+              <a:prstDash val="solid"/>
+            </a:ln>
+          </p:spPr>
+          <p:style>
+            <a:lnRef idx="2">
+              <a:schemeClr val="accent1">
+                <a:shade val="50000"/>
+              </a:schemeClr>
+            </a:lnRef>
+            <a:fillRef idx="1">
+              <a:schemeClr val="accent1"/>
+            </a:fillRef>
+            <a:effectRef idx="0">
+              <a:schemeClr val="accent1"/>
+            </a:effectRef>
+            <a:fontRef idx="minor">
+              <a:schemeClr val="lt1"/>
+            </a:fontRef>
+          </p:style>
+          <p:txBody>
+            <a:bodyPr rtlCol="0" anchor="ctr"/>
+            <a:p>
+              <a:pPr algn="ctr"/>
+              <a:r>
+                <a:rPr lang="en-US" altLang="en-US" b="1">
+                  <a:solidFill>
+                    <a:srgbClr val="7030A0"/>
+                  </a:solidFill>
+                  <a:sym typeface="+mn-ea"/>
+                </a:rPr>
+                <a:t>RETRAIN ON</a:t>
+              </a:r>
+              <a:endParaRPr lang="en-US" altLang="en-US" b="1">
+                <a:solidFill>
+                  <a:srgbClr val="7030A0"/>
+                </a:solidFill>
+                <a:sym typeface="+mn-ea"/>
+              </a:endParaRPr>
+            </a:p>
+            <a:p>
+              <a:pPr algn="ctr"/>
+              <a:r>
+                <a:rPr lang="en-US" altLang="en-US" b="1">
+                  <a:solidFill>
+                    <a:srgbClr val="7030A0"/>
+                  </a:solidFill>
+                  <a:sym typeface="+mn-ea"/>
+                </a:rPr>
+                <a:t>ALL DATA</a:t>
+              </a:r>
+              <a:endParaRPr lang="en-US" altLang="en-US" b="1">
+                <a:solidFill>
+                  <a:srgbClr val="7030A0"/>
+                </a:solidFill>
+                <a:sym typeface="+mn-ea"/>
+              </a:endParaRPr>
+            </a:p>
+          </p:txBody>
+        </p:sp>
+      </p:grpSp>
+      <p:sp>
+        <p:nvSpPr>
+          <p:cNvPr id="97" name="Rounded Rectangle 96"/>
+          <p:cNvSpPr/>
+          <p:nvPr/>
+        </p:nvSpPr>
+        <p:spPr>
+          <a:xfrm rot="16200000">
+            <a:off x="-104775" y="3073400"/>
+            <a:ext cx="1756410" cy="710565"/>
+          </a:xfrm>
+          <a:prstGeom prst="roundRect">
+            <a:avLst/>
+          </a:prstGeom>
+          <a:solidFill>
+            <a:schemeClr val="bg1">
+              <a:lumMod val="75000"/>
+            </a:schemeClr>
+          </a:solidFill>
+          <a:ln w="50800" cmpd="sng">
+            <a:solidFill>
+              <a:schemeClr val="bg1">
+                <a:lumMod val="50000"/>
+              </a:schemeClr>
+            </a:solidFill>
+            <a:prstDash val="solid"/>
+          </a:ln>
+        </p:spPr>
+        <p:style>
+          <a:lnRef idx="2">
+            <a:schemeClr val="accent1">
+              <a:shade val="50000"/>
+            </a:schemeClr>
+          </a:lnRef>
+          <a:fillRef idx="1">
+            <a:schemeClr val="accent1"/>
+          </a:fillRef>
+          <a:effectRef idx="0">
+            <a:schemeClr val="accent1"/>
+          </a:effectRef>
+          <a:fontRef idx="minor">
+            <a:schemeClr val="lt1"/>
+          </a:fontRef>
+        </p:style>
+        <p:txBody>
+          <a:bodyPr rtlCol="0" anchor="ctr"/>
+          <a:p>
+            <a:pPr algn="ctr"/>
+            <a:r>
+              <a:rPr lang="en-US" altLang="en-US" b="1">
+                <a:solidFill>
+                  <a:schemeClr val="tx1">
+                    <a:lumMod val="65000"/>
+                    <a:lumOff val="35000"/>
+                  </a:schemeClr>
+                </a:solidFill>
+                <a:sym typeface="+mn-ea"/>
+              </a:rPr>
+              <a:t>ALL DATA</a:t>
+            </a:r>
+            <a:endParaRPr lang="en-US" altLang="en-US" b="1">
+              <a:solidFill>
+                <a:schemeClr val="tx1">
+                  <a:lumMod val="65000"/>
+                  <a:lumOff val="35000"/>
+                </a:schemeClr>
+              </a:solidFill>
+              <a:sym typeface="+mn-ea"/>
+            </a:endParaRPr>
+          </a:p>
+        </p:txBody>
+      </p:sp>
+      <p:sp>
+        <p:nvSpPr>
+          <p:cNvPr id="38" name="Rounded Rectangle 37"/>
+          <p:cNvSpPr/>
+          <p:nvPr/>
+        </p:nvSpPr>
+        <p:spPr>
+          <a:xfrm>
+            <a:off x="10165715" y="3041650"/>
+            <a:ext cx="1640840" cy="710565"/>
+          </a:xfrm>
+          <a:prstGeom prst="roundRect">
+            <a:avLst/>
+          </a:prstGeom>
+          <a:solidFill>
+            <a:schemeClr val="accent2">
+              <a:lumMod val="60000"/>
+              <a:lumOff val="40000"/>
+            </a:schemeClr>
+          </a:solidFill>
+          <a:ln w="50800" cmpd="sng">
+            <a:solidFill>
+              <a:schemeClr val="accent2">
+                <a:lumMod val="75000"/>
+              </a:schemeClr>
+            </a:solidFill>
+            <a:prstDash val="solid"/>
+          </a:ln>
+        </p:spPr>
+        <p:style>
+          <a:lnRef idx="2">
+            <a:schemeClr val="accent1">
+              <a:shade val="50000"/>
+            </a:schemeClr>
+          </a:lnRef>
+          <a:fillRef idx="1">
+            <a:schemeClr val="accent1"/>
+          </a:fillRef>
+          <a:effectRef idx="0">
+            <a:schemeClr val="accent1"/>
+          </a:effectRef>
+          <a:fontRef idx="minor">
+            <a:schemeClr val="lt1"/>
+          </a:fontRef>
+        </p:style>
+        <p:txBody>
+          <a:bodyPr rtlCol="0" anchor="ctr"/>
+          <a:p>
+            <a:pPr algn="ctr"/>
+            <a:r>
+              <a:rPr lang="en-US" b="1">
+                <a:solidFill>
+                  <a:schemeClr val="accent2">
+                    <a:lumMod val="75000"/>
+                  </a:schemeClr>
+                </a:solidFill>
+                <a:sym typeface="+mn-ea"/>
+              </a:rPr>
+              <a:t>MODEL</a:t>
+            </a:r>
+            <a:endParaRPr lang="en-US" b="1">
+              <a:solidFill>
+                <a:schemeClr val="accent4">
+                  <a:lumMod val="50000"/>
+                </a:schemeClr>
+              </a:solidFill>
+              <a:sym typeface="+mn-ea"/>
+            </a:endParaRPr>
+          </a:p>
+        </p:txBody>
+      </p:sp>
+    </p:spTree>
+  </p:cSld>
+  <p:clrMapOvr>
+    <a:masterClrMapping/>
+  </p:clrMapOvr>
+</p:sld>
+</file>
+
+<file path=ppt/slides/slide11.xml><?xml version="1.0" encoding="utf-8"?>
+<p:sld xmlns:a="http://schemas.openxmlformats.org/drawingml/2006/main" xmlns:r="http://schemas.openxmlformats.org/officeDocument/2006/relationships" xmlns:p="http://schemas.openxmlformats.org/presentationml/2006/main" show="0">
+  <p:cSld>
+    <p:spTree>
+      <p:nvGrpSpPr>
+        <p:cNvPr id="1" name=""/>
+        <p:cNvGrpSpPr/>
+        <p:nvPr/>
+      </p:nvGrpSpPr>
+      <p:grpSpPr/>
+      <p:sp>
+        <p:nvSpPr>
+          <p:cNvPr id="17" name="Rounded Rectangle 16"/>
+          <p:cNvSpPr/>
+          <p:nvPr/>
+        </p:nvSpPr>
+        <p:spPr>
+          <a:xfrm>
+            <a:off x="1303020" y="378460"/>
+            <a:ext cx="8644890" cy="6262370"/>
+          </a:xfrm>
+          <a:prstGeom prst="roundRect">
+            <a:avLst/>
+          </a:prstGeom>
+          <a:solidFill>
+            <a:srgbClr val="C39BE1">
+              <a:alpha val="50000"/>
+            </a:srgbClr>
+          </a:solidFill>
+          <a:ln w="50800" cmpd="sng">
+            <a:solidFill>
+              <a:srgbClr val="7030A0"/>
+            </a:solidFill>
+            <a:prstDash val="solid"/>
+          </a:ln>
+        </p:spPr>
+        <p:style>
+          <a:lnRef idx="2">
+            <a:schemeClr val="accent1">
+              <a:shade val="50000"/>
+            </a:schemeClr>
+          </a:lnRef>
+          <a:fillRef idx="1">
+            <a:schemeClr val="accent1"/>
+          </a:fillRef>
+          <a:effectRef idx="0">
+            <a:schemeClr val="accent1"/>
+          </a:effectRef>
+          <a:fontRef idx="minor">
+            <a:schemeClr val="lt1"/>
+          </a:fontRef>
+        </p:style>
+        <p:txBody>
+          <a:bodyPr rtlCol="0" anchor="ctr"/>
+          <a:p>
+            <a:pPr algn="ctr"/>
+            <a:endParaRPr lang="en-US" altLang="en-US" b="1">
+              <a:solidFill>
+                <a:schemeClr val="tx1">
+                  <a:lumMod val="65000"/>
+                  <a:lumOff val="35000"/>
+                </a:schemeClr>
+              </a:solidFill>
+              <a:sym typeface="+mn-ea"/>
+            </a:endParaRPr>
+          </a:p>
+        </p:txBody>
+      </p:sp>
+      <p:grpSp>
+        <p:nvGrpSpPr>
+          <p:cNvPr id="11" name="Group 10"/>
+          <p:cNvGrpSpPr/>
+          <p:nvPr/>
+        </p:nvGrpSpPr>
+        <p:grpSpPr>
+          <a:xfrm>
+            <a:off x="1835150" y="845820"/>
+            <a:ext cx="7691237" cy="5157419"/>
+            <a:chOff x="1454" y="1095"/>
+            <a:chExt cx="13172" cy="8833"/>
+          </a:xfrm>
+        </p:grpSpPr>
+        <p:sp>
+          <p:nvSpPr>
+            <p:cNvPr id="49" name="Right Arrow Callout 48"/>
+            <p:cNvSpPr/>
+            <p:nvPr/>
+          </p:nvSpPr>
+          <p:spPr>
+            <a:xfrm>
+              <a:off x="1866" y="1318"/>
+              <a:ext cx="4605" cy="8291"/>
+            </a:xfrm>
+            <a:prstGeom prst="rightArrowCallout">
+              <a:avLst/>
+            </a:prstGeom>
+            <a:solidFill>
+              <a:schemeClr val="accent2">
+                <a:lumMod val="60000"/>
+                <a:lumOff val="40000"/>
+                <a:alpha val="0"/>
+              </a:schemeClr>
+            </a:solidFill>
+            <a:ln w="50800">
+              <a:solidFill>
+                <a:schemeClr val="accent1">
+                  <a:lumMod val="75000"/>
+                </a:schemeClr>
+              </a:solidFill>
+            </a:ln>
+          </p:spPr>
+          <p:style>
+            <a:lnRef idx="2">
+              <a:schemeClr val="accent1">
+                <a:shade val="50000"/>
+              </a:schemeClr>
+            </a:lnRef>
+            <a:fillRef idx="1">
+              <a:schemeClr val="accent1"/>
+            </a:fillRef>
+            <a:effectRef idx="0">
+              <a:schemeClr val="accent1"/>
+            </a:effectRef>
+            <a:fontRef idx="minor">
+              <a:schemeClr val="lt1"/>
+            </a:fontRef>
+          </p:style>
+          <p:txBody>
+            <a:bodyPr rtlCol="0" anchor="ctr"/>
+            <a:p>
+              <a:pPr algn="ctr"/>
+              <a:endParaRPr lang="en-US"/>
+            </a:p>
+          </p:txBody>
+        </p:sp>
+        <p:grpSp>
+          <p:nvGrpSpPr>
+            <p:cNvPr id="9" name="Group 8"/>
+            <p:cNvGrpSpPr/>
+            <p:nvPr/>
+          </p:nvGrpSpPr>
+          <p:grpSpPr>
+            <a:xfrm>
+              <a:off x="1454" y="1095"/>
+              <a:ext cx="3110" cy="8833"/>
+              <a:chOff x="2804" y="1545"/>
+              <a:chExt cx="3110" cy="8833"/>
+            </a:xfrm>
+          </p:grpSpPr>
+          <p:sp>
+            <p:nvSpPr>
+              <p:cNvPr id="4" name="Rounded Rectangle 3"/>
+              <p:cNvSpPr/>
+              <p:nvPr/>
+            </p:nvSpPr>
+            <p:spPr>
+              <a:xfrm>
+                <a:off x="2804" y="1545"/>
+                <a:ext cx="3110" cy="2044"/>
+              </a:xfrm>
+              <a:prstGeom prst="roundRect">
+                <a:avLst/>
+              </a:prstGeom>
+              <a:solidFill>
+                <a:schemeClr val="accent1">
+                  <a:lumMod val="60000"/>
+                  <a:lumOff val="40000"/>
+                </a:schemeClr>
+              </a:solidFill>
+              <a:ln w="50800" cmpd="sng">
+                <a:solidFill>
+                  <a:schemeClr val="accent1">
+                    <a:lumMod val="75000"/>
+                  </a:schemeClr>
+                </a:solidFill>
+                <a:prstDash val="solid"/>
+              </a:ln>
+            </p:spPr>
+            <p:style>
+              <a:lnRef idx="2">
+                <a:schemeClr val="accent1">
+                  <a:shade val="50000"/>
+                </a:schemeClr>
+              </a:lnRef>
+              <a:fillRef idx="1">
+                <a:schemeClr val="accent1"/>
+              </a:fillRef>
+              <a:effectRef idx="0">
+                <a:schemeClr val="accent1"/>
+              </a:effectRef>
+              <a:fontRef idx="minor">
+                <a:schemeClr val="lt1"/>
+              </a:fontRef>
+            </p:style>
+            <p:txBody>
+              <a:bodyPr rtlCol="0" anchor="ctr"/>
+              <a:p>
+                <a:pPr algn="ctr"/>
+                <a:r>
                   <a:rPr lang="en-US" altLang="en-US" b="1">
                     <a:solidFill>
                       <a:schemeClr val="accent1">
@@ -4662,6 +5551,7 @@
   <p:clrMapOvr>
     <a:masterClrMapping/>
   </p:clrMapOvr>
+  <p:transition/>
 </p:sld>
 </file>
 
@@ -6222,7 +7112,7 @@
             <a:p>
               <a:pPr algn="ctr"/>
               <a:r>
-                <a:rPr lang="" altLang="en-US" b="1">
+                <a:rPr lang="en-US" altLang="en-US" b="1">
                   <a:solidFill>
                     <a:srgbClr val="863636"/>
                   </a:solidFill>
@@ -6230,7 +7120,7 @@
                 </a:rPr>
                 <a:t>10%</a:t>
               </a:r>
-              <a:endParaRPr lang="" altLang="en-US" b="1">
+              <a:endParaRPr lang="en-US" altLang="en-US" b="1">
                 <a:solidFill>
                   <a:srgbClr val="863636"/>
                 </a:solidFill>
@@ -6289,7 +7179,7 @@
             <a:p>
               <a:pPr algn="ctr"/>
               <a:r>
-                <a:rPr lang="" altLang="en-US" b="1">
+                <a:rPr lang="en-US" altLang="en-US" b="1">
                   <a:solidFill>
                     <a:schemeClr val="accent6">
                       <a:lumMod val="50000"/>
@@ -6299,7 +7189,7 @@
                 </a:rPr>
                 <a:t>TRAIN</a:t>
               </a:r>
-              <a:endParaRPr lang="" altLang="en-US" b="1">
+              <a:endParaRPr lang="en-US" altLang="en-US" b="1">
                 <a:solidFill>
                   <a:schemeClr val="accent6">
                     <a:lumMod val="50000"/>
@@ -6311,7 +7201,7 @@
             <a:p>
               <a:pPr algn="ctr"/>
               <a:r>
-                <a:rPr lang="" altLang="en-US" b="1">
+                <a:rPr lang="en-US" altLang="en-US" b="1">
                   <a:solidFill>
                     <a:schemeClr val="accent6">
                       <a:lumMod val="50000"/>
@@ -6321,7 +7211,7 @@
                 </a:rPr>
                 <a:t>70%</a:t>
               </a:r>
-              <a:endParaRPr lang="" altLang="en-US" b="1">
+              <a:endParaRPr lang="en-US" altLang="en-US" b="1">
                 <a:solidFill>
                   <a:schemeClr val="accent6">
                     <a:lumMod val="50000"/>
@@ -6382,7 +7272,7 @@
             <a:p>
               <a:pPr algn="ctr"/>
               <a:r>
-                <a:rPr lang="" altLang="en-US" b="1">
+                <a:rPr lang="en-US" altLang="en-US" b="1">
                   <a:solidFill>
                     <a:schemeClr val="accent2">
                       <a:lumMod val="50000"/>
@@ -6392,7 +7282,7 @@
                 </a:rPr>
                 <a:t>VALIDATION</a:t>
               </a:r>
-              <a:endParaRPr lang="" altLang="en-US" b="1">
+              <a:endParaRPr lang="en-US" altLang="en-US" b="1">
                 <a:solidFill>
                   <a:schemeClr val="accent2">
                     <a:lumMod val="50000"/>
@@ -6404,7 +7294,7 @@
             <a:p>
               <a:pPr algn="ctr"/>
               <a:r>
-                <a:rPr lang="" altLang="en-US" b="1">
+                <a:rPr lang="en-US" altLang="en-US" b="1">
                   <a:solidFill>
                     <a:schemeClr val="accent2">
                       <a:lumMod val="50000"/>
@@ -6414,7 +7304,7 @@
                 </a:rPr>
                 <a:t>20%</a:t>
               </a:r>
-              <a:endParaRPr lang="" altLang="en-US" b="1">
+              <a:endParaRPr lang="en-US" altLang="en-US" b="1">
                 <a:solidFill>
                   <a:schemeClr val="accent2">
                     <a:lumMod val="50000"/>
@@ -6475,7 +7365,7 @@
             <a:p>
               <a:pPr algn="ctr"/>
               <a:r>
-                <a:rPr lang="" altLang="en-US" b="1">
+                <a:rPr lang="en-US" altLang="en-US" b="1">
                   <a:solidFill>
                     <a:schemeClr val="accent1">
                       <a:lumMod val="50000"/>
@@ -6485,7 +7375,7 @@
                 </a:rPr>
                 <a:t>DATA</a:t>
               </a:r>
-              <a:endParaRPr lang="" altLang="en-US" b="1">
+              <a:endParaRPr lang="en-US" altLang="en-US" b="1">
                 <a:solidFill>
                   <a:schemeClr val="accent1">
                     <a:lumMod val="50000"/>
